--- a/01 Classes/Aula 09 RAD Python - Lambda Ponteiro e Referência.pptx
+++ b/01 Classes/Aula 09 RAD Python - Lambda Ponteiro e Referência.pptx
@@ -1380,7 +1380,7 @@
           <a:p>
             <a:fld id="{48A87A34-81AB-432B-8DAE-1953F412C126}" type="datetimeFigureOut">
               <a:rPr lang="en-US" smtClean="0"/>
-              <a:t>8/26/2022</a:t>
+              <a:t>9/6/2023</a:t>
             </a:fld>
             <a:endParaRPr lang="en-US" dirty="0"/>
           </a:p>
@@ -1591,7 +1591,7 @@
           <a:p>
             <a:fld id="{48A87A34-81AB-432B-8DAE-1953F412C126}" type="datetimeFigureOut">
               <a:rPr lang="en-US" smtClean="0"/>
-              <a:t>8/26/2022</a:t>
+              <a:t>9/6/2023</a:t>
             </a:fld>
             <a:endParaRPr lang="en-US" dirty="0"/>
           </a:p>
@@ -1806,7 +1806,7 @@
           <a:p>
             <a:fld id="{48A87A34-81AB-432B-8DAE-1953F412C126}" type="datetimeFigureOut">
               <a:rPr lang="en-US" smtClean="0"/>
-              <a:t>8/26/2022</a:t>
+              <a:t>9/6/2023</a:t>
             </a:fld>
             <a:endParaRPr lang="en-US" dirty="0"/>
           </a:p>
@@ -2174,7 +2174,7 @@
           <a:p>
             <a:fld id="{48A87A34-81AB-432B-8DAE-1953F412C126}" type="datetimeFigureOut">
               <a:rPr lang="en-US" smtClean="0"/>
-              <a:t>8/26/2022</a:t>
+              <a:t>9/6/2023</a:t>
             </a:fld>
             <a:endParaRPr lang="en-US" dirty="0"/>
           </a:p>
@@ -2453,7 +2453,7 @@
           <a:p>
             <a:fld id="{48A87A34-81AB-432B-8DAE-1953F412C126}" type="datetimeFigureOut">
               <a:rPr lang="en-US" smtClean="0"/>
-              <a:t>8/26/2022</a:t>
+              <a:t>9/6/2023</a:t>
             </a:fld>
             <a:endParaRPr lang="en-US" dirty="0"/>
           </a:p>
@@ -2721,7 +2721,7 @@
           <a:p>
             <a:fld id="{48A87A34-81AB-432B-8DAE-1953F412C126}" type="datetimeFigureOut">
               <a:rPr lang="en-US" smtClean="0"/>
-              <a:t>8/26/2022</a:t>
+              <a:t>9/6/2023</a:t>
             </a:fld>
             <a:endParaRPr lang="en-US" dirty="0"/>
           </a:p>
@@ -3137,7 +3137,7 @@
           <a:p>
             <a:fld id="{48A87A34-81AB-432B-8DAE-1953F412C126}" type="datetimeFigureOut">
               <a:rPr lang="en-US" smtClean="0"/>
-              <a:t>8/26/2022</a:t>
+              <a:t>9/6/2023</a:t>
             </a:fld>
             <a:endParaRPr lang="en-US" dirty="0"/>
           </a:p>
@@ -3286,7 +3286,7 @@
           <a:p>
             <a:fld id="{48A87A34-81AB-432B-8DAE-1953F412C126}" type="datetimeFigureOut">
               <a:rPr lang="en-US" smtClean="0"/>
-              <a:t>8/26/2022</a:t>
+              <a:t>9/6/2023</a:t>
             </a:fld>
             <a:endParaRPr lang="en-US" dirty="0"/>
           </a:p>
@@ -3412,7 +3412,7 @@
           <a:p>
             <a:fld id="{48A87A34-81AB-432B-8DAE-1953F412C126}" type="datetimeFigureOut">
               <a:rPr lang="en-US" smtClean="0"/>
-              <a:t>8/26/2022</a:t>
+              <a:t>9/6/2023</a:t>
             </a:fld>
             <a:endParaRPr lang="en-US" dirty="0"/>
           </a:p>
@@ -3663,7 +3663,7 @@
           <a:p>
             <a:fld id="{48A87A34-81AB-432B-8DAE-1953F412C126}" type="datetimeFigureOut">
               <a:rPr lang="en-US" smtClean="0"/>
-              <a:t>8/26/2022</a:t>
+              <a:t>9/6/2023</a:t>
             </a:fld>
             <a:endParaRPr lang="en-US" dirty="0"/>
           </a:p>
@@ -4109,7 +4109,7 @@
             <a:fld id="{48A87A34-81AB-432B-8DAE-1953F412C126}" type="datetimeFigureOut">
               <a:rPr lang="en-US" smtClean="0"/>
               <a:pPr/>
-              <a:t>8/26/2022</a:t>
+              <a:t>9/6/2023</a:t>
             </a:fld>
             <a:endParaRPr lang="en-US" dirty="0"/>
           </a:p>
@@ -4437,7 +4437,7 @@
             <a:fld id="{48A87A34-81AB-432B-8DAE-1953F412C126}" type="datetimeFigureOut">
               <a:rPr lang="en-US" smtClean="0"/>
               <a:pPr/>
-              <a:t>8/26/2022</a:t>
+              <a:t>9/6/2023</a:t>
             </a:fld>
             <a:endParaRPr lang="en-US" dirty="0"/>
           </a:p>
@@ -6010,7 +6010,7 @@
                 <a:latin typeface="Times New Roman" panose="02020603050405020304" pitchFamily="18" charset="0"/>
                 <a:cs typeface="Times New Roman" panose="02020603050405020304" pitchFamily="18" charset="0"/>
               </a:rPr>
-              <a:t> = 35; </a:t>
+              <a:t> = 35 </a:t>
             </a:r>
             <a:r>
               <a:rPr lang="pt-BR" sz="2000" b="1" dirty="0">
@@ -6075,7 +6075,7 @@
                 <a:latin typeface="Times New Roman" panose="02020603050405020304" pitchFamily="18" charset="0"/>
                 <a:cs typeface="Times New Roman" panose="02020603050405020304" pitchFamily="18" charset="0"/>
               </a:rPr>
-              <a:t>); </a:t>
+              <a:t>) </a:t>
             </a:r>
             <a:r>
               <a:rPr lang="pt-BR" sz="2000" b="1" dirty="0">
@@ -6248,6 +6248,28 @@
               </a:rPr>
               <a:t>value</a:t>
             </a:r>
+            <a:endParaRPr lang="pt-BR" sz="2000" dirty="0">
+              <a:solidFill>
+                <a:schemeClr val="tx1"/>
+              </a:solidFill>
+              <a:latin typeface="Times New Roman" panose="02020603050405020304" pitchFamily="18" charset="0"/>
+              <a:cs typeface="Times New Roman" panose="02020603050405020304" pitchFamily="18" charset="0"/>
+            </a:endParaRPr>
+          </a:p>
+          <a:p>
+            <a:pPr marL="0" indent="0" algn="just">
+              <a:buNone/>
+            </a:pPr>
+            <a:r>
+              <a:rPr lang="pt-BR" sz="2000" b="1" dirty="0">
+                <a:solidFill>
+                  <a:schemeClr val="tx1"/>
+                </a:solidFill>
+                <a:latin typeface="Times New Roman" panose="02020603050405020304" pitchFamily="18" charset="0"/>
+                <a:cs typeface="Times New Roman" panose="02020603050405020304" pitchFamily="18" charset="0"/>
+              </a:rPr>
+              <a:t>print</a:t>
+            </a:r>
             <a:r>
               <a:rPr lang="pt-BR" sz="2000" dirty="0">
                 <a:solidFill>
@@ -6256,22 +6278,17 @@
                 <a:latin typeface="Times New Roman" panose="02020603050405020304" pitchFamily="18" charset="0"/>
                 <a:cs typeface="Times New Roman" panose="02020603050405020304" pitchFamily="18" charset="0"/>
               </a:rPr>
-              <a:t>;</a:t>
-            </a:r>
-          </a:p>
-          <a:p>
-            <a:pPr marL="0" indent="0" algn="just">
-              <a:buNone/>
-            </a:pPr>
-            <a:r>
-              <a:rPr lang="pt-BR" sz="2000" b="1" dirty="0">
+              <a:t>(</a:t>
+            </a:r>
+            <a:r>
+              <a:rPr lang="pt-BR" sz="2000" dirty="0" err="1">
                 <a:solidFill>
                   <a:schemeClr val="tx1"/>
                 </a:solidFill>
                 <a:latin typeface="Times New Roman" panose="02020603050405020304" pitchFamily="18" charset="0"/>
                 <a:cs typeface="Times New Roman" panose="02020603050405020304" pitchFamily="18" charset="0"/>
               </a:rPr>
-              <a:t>print</a:t>
+              <a:t>val</a:t>
             </a:r>
             <a:r>
               <a:rPr lang="pt-BR" sz="2000" dirty="0">
@@ -6281,27 +6298,7 @@
                 <a:latin typeface="Times New Roman" panose="02020603050405020304" pitchFamily="18" charset="0"/>
                 <a:cs typeface="Times New Roman" panose="02020603050405020304" pitchFamily="18" charset="0"/>
               </a:rPr>
-              <a:t>(</a:t>
-            </a:r>
-            <a:r>
-              <a:rPr lang="pt-BR" sz="2000" dirty="0" err="1">
-                <a:solidFill>
-                  <a:schemeClr val="tx1"/>
-                </a:solidFill>
-                <a:latin typeface="Times New Roman" panose="02020603050405020304" pitchFamily="18" charset="0"/>
-                <a:cs typeface="Times New Roman" panose="02020603050405020304" pitchFamily="18" charset="0"/>
-              </a:rPr>
-              <a:t>val</a:t>
-            </a:r>
-            <a:r>
-              <a:rPr lang="pt-BR" sz="2000" dirty="0">
-                <a:solidFill>
-                  <a:schemeClr val="tx1"/>
-                </a:solidFill>
-                <a:latin typeface="Times New Roman" panose="02020603050405020304" pitchFamily="18" charset="0"/>
-                <a:cs typeface="Times New Roman" panose="02020603050405020304" pitchFamily="18" charset="0"/>
-              </a:rPr>
-              <a:t>); </a:t>
+              <a:t>) </a:t>
             </a:r>
             <a:r>
               <a:rPr lang="pt-BR" sz="2000" b="1" dirty="0">
@@ -6353,7 +6350,7 @@
                 <a:latin typeface="Times New Roman" panose="02020603050405020304" pitchFamily="18" charset="0"/>
                 <a:cs typeface="Times New Roman" panose="02020603050405020304" pitchFamily="18" charset="0"/>
               </a:rPr>
-              <a:t>(x); </a:t>
+              <a:t>(x) </a:t>
             </a:r>
             <a:r>
               <a:rPr lang="pt-BR" sz="2000" b="1" dirty="0">
@@ -6425,7 +6422,7 @@
                 <a:latin typeface="Times New Roman" panose="02020603050405020304" pitchFamily="18" charset="0"/>
                 <a:cs typeface="Times New Roman" panose="02020603050405020304" pitchFamily="18" charset="0"/>
               </a:rPr>
-              <a:t>(y); </a:t>
+              <a:t>(y) </a:t>
             </a:r>
             <a:r>
               <a:rPr lang="pt-BR" sz="2000" b="1" dirty="0">
@@ -8474,7 +8471,7 @@
                 <a:latin typeface="Times New Roman" panose="02020603050405020304" pitchFamily="18" charset="0"/>
                 <a:cs typeface="Times New Roman" panose="02020603050405020304" pitchFamily="18" charset="0"/>
               </a:rPr>
-              <a:t> a : a + 10;</a:t>
+              <a:t> a : a + 10</a:t>
             </a:r>
           </a:p>
           <a:p>
@@ -8499,7 +8496,7 @@
                 <a:latin typeface="Times New Roman" panose="02020603050405020304" pitchFamily="18" charset="0"/>
                 <a:cs typeface="Times New Roman" panose="02020603050405020304" pitchFamily="18" charset="0"/>
               </a:rPr>
-              <a:t>(x(5));</a:t>
+              <a:t>(x(5))</a:t>
             </a:r>
           </a:p>
         </p:txBody>
@@ -8641,7 +8638,7 @@
                 <a:latin typeface="Times New Roman" panose="02020603050405020304" pitchFamily="18" charset="0"/>
                 <a:cs typeface="Times New Roman" panose="02020603050405020304" pitchFamily="18" charset="0"/>
               </a:rPr>
-              <a:t> a, b, c : a + b + c;</a:t>
+              <a:t> a, b, c : a + b + c</a:t>
             </a:r>
           </a:p>
           <a:p>
@@ -8666,7 +8663,7 @@
                 <a:latin typeface="Times New Roman" panose="02020603050405020304" pitchFamily="18" charset="0"/>
                 <a:cs typeface="Times New Roman" panose="02020603050405020304" pitchFamily="18" charset="0"/>
               </a:rPr>
-              <a:t>(x(5, 6, 2));</a:t>
+              <a:t>(x(5, 6, 2))</a:t>
             </a:r>
           </a:p>
         </p:txBody>
@@ -8808,7 +8805,7 @@
                 <a:latin typeface="Times New Roman" panose="02020603050405020304" pitchFamily="18" charset="0"/>
                 <a:cs typeface="Times New Roman" panose="02020603050405020304" pitchFamily="18" charset="0"/>
               </a:rPr>
-              <a:t> a, b : a + 10 * b;</a:t>
+              <a:t> a, b : a + 10 * b</a:t>
             </a:r>
           </a:p>
           <a:p>
@@ -8833,25 +8830,8 @@
                 <a:latin typeface="Times New Roman" panose="02020603050405020304" pitchFamily="18" charset="0"/>
                 <a:cs typeface="Times New Roman" panose="02020603050405020304" pitchFamily="18" charset="0"/>
               </a:rPr>
-              <a:t>(</a:t>
-            </a:r>
-            <a:r>
-              <a:rPr lang="pt-BR" sz="3200">
-                <a:solidFill>
-                  <a:schemeClr val="tx1"/>
-                </a:solidFill>
-                <a:latin typeface="Times New Roman" panose="02020603050405020304" pitchFamily="18" charset="0"/>
-                <a:cs typeface="Times New Roman" panose="02020603050405020304" pitchFamily="18" charset="0"/>
-              </a:rPr>
-              <a:t>x(3, 2));</a:t>
-            </a:r>
-            <a:endParaRPr lang="pt-BR" sz="3200" dirty="0">
-              <a:solidFill>
-                <a:schemeClr val="tx1"/>
-              </a:solidFill>
-              <a:latin typeface="Times New Roman" panose="02020603050405020304" pitchFamily="18" charset="0"/>
-              <a:cs typeface="Times New Roman" panose="02020603050405020304" pitchFamily="18" charset="0"/>
-            </a:endParaRPr>
+              <a:t>(x(3, 2))</a:t>
+            </a:r>
           </a:p>
         </p:txBody>
       </p:sp>
@@ -9057,7 +9037,7 @@
                 <a:latin typeface="Times New Roman" panose="02020603050405020304" pitchFamily="18" charset="0"/>
                 <a:cs typeface="Times New Roman" panose="02020603050405020304" pitchFamily="18" charset="0"/>
               </a:rPr>
-              <a:t> a : a * n;</a:t>
+              <a:t> a : a * n</a:t>
             </a:r>
           </a:p>
           <a:p>
@@ -9092,7 +9072,7 @@
                 <a:latin typeface="Times New Roman" panose="02020603050405020304" pitchFamily="18" charset="0"/>
                 <a:cs typeface="Times New Roman" panose="02020603050405020304" pitchFamily="18" charset="0"/>
               </a:rPr>
-              <a:t>(2);</a:t>
+              <a:t>(2)</a:t>
             </a:r>
           </a:p>
           <a:p>
@@ -9117,7 +9097,7 @@
                 <a:latin typeface="Times New Roman" panose="02020603050405020304" pitchFamily="18" charset="0"/>
                 <a:cs typeface="Times New Roman" panose="02020603050405020304" pitchFamily="18" charset="0"/>
               </a:rPr>
-              <a:t>(dobro(11));</a:t>
+              <a:t>(dobro(11))</a:t>
             </a:r>
             <a:endParaRPr lang="pt-BR" sz="3200" dirty="0">
               <a:solidFill>
